--- a/SDK使用步骤.pptx
+++ b/SDK使用步骤.pptx
@@ -270,7 +270,7 @@
           <a:p>
             <a:fld id="{7D5547DE-D07D-4BFA-B380-0E9CFF12ABD3}" type="datetimeFigureOut">
               <a:rPr lang="zh-CN" altLang="en-US" smtClean="0"/>
-              <a:t>2017/12/22</a:t>
+              <a:t>2018/1/2</a:t>
             </a:fld>
             <a:endParaRPr lang="zh-CN" altLang="en-US"/>
           </a:p>
@@ -468,7 +468,7 @@
           <a:p>
             <a:fld id="{7D5547DE-D07D-4BFA-B380-0E9CFF12ABD3}" type="datetimeFigureOut">
               <a:rPr lang="zh-CN" altLang="en-US" smtClean="0"/>
-              <a:t>2017/12/22</a:t>
+              <a:t>2018/1/2</a:t>
             </a:fld>
             <a:endParaRPr lang="zh-CN" altLang="en-US"/>
           </a:p>
@@ -676,7 +676,7 @@
           <a:p>
             <a:fld id="{7D5547DE-D07D-4BFA-B380-0E9CFF12ABD3}" type="datetimeFigureOut">
               <a:rPr lang="zh-CN" altLang="en-US" smtClean="0"/>
-              <a:t>2017/12/22</a:t>
+              <a:t>2018/1/2</a:t>
             </a:fld>
             <a:endParaRPr lang="zh-CN" altLang="en-US"/>
           </a:p>
@@ -874,7 +874,7 @@
           <a:p>
             <a:fld id="{7D5547DE-D07D-4BFA-B380-0E9CFF12ABD3}" type="datetimeFigureOut">
               <a:rPr lang="zh-CN" altLang="en-US" smtClean="0"/>
-              <a:t>2017/12/22</a:t>
+              <a:t>2018/1/2</a:t>
             </a:fld>
             <a:endParaRPr lang="zh-CN" altLang="en-US"/>
           </a:p>
@@ -1149,7 +1149,7 @@
           <a:p>
             <a:fld id="{7D5547DE-D07D-4BFA-B380-0E9CFF12ABD3}" type="datetimeFigureOut">
               <a:rPr lang="zh-CN" altLang="en-US" smtClean="0"/>
-              <a:t>2017/12/22</a:t>
+              <a:t>2018/1/2</a:t>
             </a:fld>
             <a:endParaRPr lang="zh-CN" altLang="en-US"/>
           </a:p>
@@ -1414,7 +1414,7 @@
           <a:p>
             <a:fld id="{7D5547DE-D07D-4BFA-B380-0E9CFF12ABD3}" type="datetimeFigureOut">
               <a:rPr lang="zh-CN" altLang="en-US" smtClean="0"/>
-              <a:t>2017/12/22</a:t>
+              <a:t>2018/1/2</a:t>
             </a:fld>
             <a:endParaRPr lang="zh-CN" altLang="en-US"/>
           </a:p>
@@ -1826,7 +1826,7 @@
           <a:p>
             <a:fld id="{7D5547DE-D07D-4BFA-B380-0E9CFF12ABD3}" type="datetimeFigureOut">
               <a:rPr lang="zh-CN" altLang="en-US" smtClean="0"/>
-              <a:t>2017/12/22</a:t>
+              <a:t>2018/1/2</a:t>
             </a:fld>
             <a:endParaRPr lang="zh-CN" altLang="en-US"/>
           </a:p>
@@ -1967,7 +1967,7 @@
           <a:p>
             <a:fld id="{7D5547DE-D07D-4BFA-B380-0E9CFF12ABD3}" type="datetimeFigureOut">
               <a:rPr lang="zh-CN" altLang="en-US" smtClean="0"/>
-              <a:t>2017/12/22</a:t>
+              <a:t>2018/1/2</a:t>
             </a:fld>
             <a:endParaRPr lang="zh-CN" altLang="en-US"/>
           </a:p>
@@ -2080,7 +2080,7 @@
           <a:p>
             <a:fld id="{7D5547DE-D07D-4BFA-B380-0E9CFF12ABD3}" type="datetimeFigureOut">
               <a:rPr lang="zh-CN" altLang="en-US" smtClean="0"/>
-              <a:t>2017/12/22</a:t>
+              <a:t>2018/1/2</a:t>
             </a:fld>
             <a:endParaRPr lang="zh-CN" altLang="en-US"/>
           </a:p>
@@ -2391,7 +2391,7 @@
           <a:p>
             <a:fld id="{7D5547DE-D07D-4BFA-B380-0E9CFF12ABD3}" type="datetimeFigureOut">
               <a:rPr lang="zh-CN" altLang="en-US" smtClean="0"/>
-              <a:t>2017/12/22</a:t>
+              <a:t>2018/1/2</a:t>
             </a:fld>
             <a:endParaRPr lang="zh-CN" altLang="en-US"/>
           </a:p>
@@ -2679,7 +2679,7 @@
           <a:p>
             <a:fld id="{7D5547DE-D07D-4BFA-B380-0E9CFF12ABD3}" type="datetimeFigureOut">
               <a:rPr lang="zh-CN" altLang="en-US" smtClean="0"/>
-              <a:t>2017/12/22</a:t>
+              <a:t>2018/1/2</a:t>
             </a:fld>
             <a:endParaRPr lang="zh-CN" altLang="en-US"/>
           </a:p>
@@ -2920,7 +2920,7 @@
           <a:p>
             <a:fld id="{7D5547DE-D07D-4BFA-B380-0E9CFF12ABD3}" type="datetimeFigureOut">
               <a:rPr lang="zh-CN" altLang="en-US" smtClean="0"/>
-              <a:t>2017/12/22</a:t>
+              <a:t>2018/1/2</a:t>
             </a:fld>
             <a:endParaRPr lang="zh-CN" altLang="en-US"/>
           </a:p>
@@ -4732,9 +4732,12 @@
               <a:t>/</a:t>
             </a:r>
             <a:r>
-              <a:rPr lang="en-US" altLang="zh-CN" b="1"/>
+              <a:rPr lang="en-US" altLang="zh-CN" b="1" dirty="0" err="1"/>
               <a:t>hgfs</a:t>
             </a:r>
+            <a:endParaRPr lang="en-US" altLang="zh-CN" b="1"/>
+          </a:p>
+          <a:p>
             <a:endParaRPr lang="zh-CN" altLang="en-US"/>
           </a:p>
         </p:txBody>

--- a/SDK使用步骤.pptx
+++ b/SDK使用步骤.pptx
@@ -13,6 +13,7 @@
     <p:sldId id="261" r:id="rId7"/>
     <p:sldId id="262" r:id="rId8"/>
     <p:sldId id="263" r:id="rId9"/>
+    <p:sldId id="264" r:id="rId10"/>
   </p:sldIdLst>
   <p:sldSz cx="12192000" cy="6858000"/>
   <p:notesSz cx="6858000" cy="9144000"/>
@@ -270,7 +271,7 @@
           <a:p>
             <a:fld id="{7D5547DE-D07D-4BFA-B380-0E9CFF12ABD3}" type="datetimeFigureOut">
               <a:rPr lang="zh-CN" altLang="en-US" smtClean="0"/>
-              <a:t>2018/1/2</a:t>
+              <a:t>2018/1/2 Tuesday</a:t>
             </a:fld>
             <a:endParaRPr lang="zh-CN" altLang="en-US"/>
           </a:p>
@@ -468,7 +469,7 @@
           <a:p>
             <a:fld id="{7D5547DE-D07D-4BFA-B380-0E9CFF12ABD3}" type="datetimeFigureOut">
               <a:rPr lang="zh-CN" altLang="en-US" smtClean="0"/>
-              <a:t>2018/1/2</a:t>
+              <a:t>2018/1/2 Tuesday</a:t>
             </a:fld>
             <a:endParaRPr lang="zh-CN" altLang="en-US"/>
           </a:p>
@@ -676,7 +677,7 @@
           <a:p>
             <a:fld id="{7D5547DE-D07D-4BFA-B380-0E9CFF12ABD3}" type="datetimeFigureOut">
               <a:rPr lang="zh-CN" altLang="en-US" smtClean="0"/>
-              <a:t>2018/1/2</a:t>
+              <a:t>2018/1/2 Tuesday</a:t>
             </a:fld>
             <a:endParaRPr lang="zh-CN" altLang="en-US"/>
           </a:p>
@@ -874,7 +875,7 @@
           <a:p>
             <a:fld id="{7D5547DE-D07D-4BFA-B380-0E9CFF12ABD3}" type="datetimeFigureOut">
               <a:rPr lang="zh-CN" altLang="en-US" smtClean="0"/>
-              <a:t>2018/1/2</a:t>
+              <a:t>2018/1/2 Tuesday</a:t>
             </a:fld>
             <a:endParaRPr lang="zh-CN" altLang="en-US"/>
           </a:p>
@@ -1149,7 +1150,7 @@
           <a:p>
             <a:fld id="{7D5547DE-D07D-4BFA-B380-0E9CFF12ABD3}" type="datetimeFigureOut">
               <a:rPr lang="zh-CN" altLang="en-US" smtClean="0"/>
-              <a:t>2018/1/2</a:t>
+              <a:t>2018/1/2 Tuesday</a:t>
             </a:fld>
             <a:endParaRPr lang="zh-CN" altLang="en-US"/>
           </a:p>
@@ -1414,7 +1415,7 @@
           <a:p>
             <a:fld id="{7D5547DE-D07D-4BFA-B380-0E9CFF12ABD3}" type="datetimeFigureOut">
               <a:rPr lang="zh-CN" altLang="en-US" smtClean="0"/>
-              <a:t>2018/1/2</a:t>
+              <a:t>2018/1/2 Tuesday</a:t>
             </a:fld>
             <a:endParaRPr lang="zh-CN" altLang="en-US"/>
           </a:p>
@@ -1826,7 +1827,7 @@
           <a:p>
             <a:fld id="{7D5547DE-D07D-4BFA-B380-0E9CFF12ABD3}" type="datetimeFigureOut">
               <a:rPr lang="zh-CN" altLang="en-US" smtClean="0"/>
-              <a:t>2018/1/2</a:t>
+              <a:t>2018/1/2 Tuesday</a:t>
             </a:fld>
             <a:endParaRPr lang="zh-CN" altLang="en-US"/>
           </a:p>
@@ -1967,7 +1968,7 @@
           <a:p>
             <a:fld id="{7D5547DE-D07D-4BFA-B380-0E9CFF12ABD3}" type="datetimeFigureOut">
               <a:rPr lang="zh-CN" altLang="en-US" smtClean="0"/>
-              <a:t>2018/1/2</a:t>
+              <a:t>2018/1/2 Tuesday</a:t>
             </a:fld>
             <a:endParaRPr lang="zh-CN" altLang="en-US"/>
           </a:p>
@@ -2080,7 +2081,7 @@
           <a:p>
             <a:fld id="{7D5547DE-D07D-4BFA-B380-0E9CFF12ABD3}" type="datetimeFigureOut">
               <a:rPr lang="zh-CN" altLang="en-US" smtClean="0"/>
-              <a:t>2018/1/2</a:t>
+              <a:t>2018/1/2 Tuesday</a:t>
             </a:fld>
             <a:endParaRPr lang="zh-CN" altLang="en-US"/>
           </a:p>
@@ -2391,7 +2392,7 @@
           <a:p>
             <a:fld id="{7D5547DE-D07D-4BFA-B380-0E9CFF12ABD3}" type="datetimeFigureOut">
               <a:rPr lang="zh-CN" altLang="en-US" smtClean="0"/>
-              <a:t>2018/1/2</a:t>
+              <a:t>2018/1/2 Tuesday</a:t>
             </a:fld>
             <a:endParaRPr lang="zh-CN" altLang="en-US"/>
           </a:p>
@@ -2679,7 +2680,7 @@
           <a:p>
             <a:fld id="{7D5547DE-D07D-4BFA-B380-0E9CFF12ABD3}" type="datetimeFigureOut">
               <a:rPr lang="zh-CN" altLang="en-US" smtClean="0"/>
-              <a:t>2018/1/2</a:t>
+              <a:t>2018/1/2 Tuesday</a:t>
             </a:fld>
             <a:endParaRPr lang="zh-CN" altLang="en-US"/>
           </a:p>
@@ -2920,7 +2921,7 @@
           <a:p>
             <a:fld id="{7D5547DE-D07D-4BFA-B380-0E9CFF12ABD3}" type="datetimeFigureOut">
               <a:rPr lang="zh-CN" altLang="en-US" smtClean="0"/>
-              <a:t>2018/1/2</a:t>
+              <a:t>2018/1/2 Tuesday</a:t>
             </a:fld>
             <a:endParaRPr lang="zh-CN" altLang="en-US"/>
           </a:p>
@@ -4670,6 +4671,10 @@
               <a:rPr lang="en-US" altLang="zh-CN" b="1" dirty="0" err="1"/>
               <a:t>cdrom</a:t>
             </a:r>
+            <a:r>
+              <a:rPr lang="en-US" altLang="zh-CN" b="1" dirty="0"/>
+              <a:t/>
+            </a:r>
             <a:br>
               <a:rPr lang="en-US" altLang="zh-CN" b="1" dirty="0"/>
             </a:br>
@@ -4696,6 +4701,10 @@
             <a:r>
               <a:rPr lang="en-US" altLang="zh-CN" b="1" dirty="0" err="1"/>
               <a:t>cdrom</a:t>
+            </a:r>
+            <a:r>
+              <a:rPr lang="en-US" altLang="zh-CN" b="1" dirty="0"/>
+              <a:t/>
             </a:r>
             <a:br>
               <a:rPr lang="en-US" altLang="zh-CN" b="1" dirty="0"/>
@@ -4746,6 +4755,209 @@
     <p:extLst>
       <p:ext uri="{BB962C8B-B14F-4D97-AF65-F5344CB8AC3E}">
         <p14:creationId xmlns:p14="http://schemas.microsoft.com/office/powerpoint/2010/main" val="2657717358"/>
+      </p:ext>
+    </p:extLst>
+  </p:cSld>
+  <p:clrMapOvr>
+    <a:masterClrMapping/>
+  </p:clrMapOvr>
+</p:sld>
+</file>
+
+<file path=ppt/slides/slide9.xml><?xml version="1.0" encoding="utf-8"?>
+<p:sld xmlns:a="http://schemas.openxmlformats.org/drawingml/2006/main" xmlns:r="http://schemas.openxmlformats.org/officeDocument/2006/relationships" xmlns:p="http://schemas.openxmlformats.org/presentationml/2006/main">
+  <p:cSld>
+    <p:spTree>
+      <p:nvGrpSpPr>
+        <p:cNvPr id="1" name=""/>
+        <p:cNvGrpSpPr/>
+        <p:nvPr/>
+      </p:nvGrpSpPr>
+      <p:grpSpPr>
+        <a:xfrm>
+          <a:off x="0" y="0"/>
+          <a:ext cx="0" cy="0"/>
+          <a:chOff x="0" y="0"/>
+          <a:chExt cx="0" cy="0"/>
+        </a:xfrm>
+      </p:grpSpPr>
+      <p:sp>
+        <p:nvSpPr>
+          <p:cNvPr id="3" name="内容占位符 2"/>
+          <p:cNvSpPr>
+            <a:spLocks noGrp="1"/>
+          </p:cNvSpPr>
+          <p:nvPr>
+            <p:ph idx="1"/>
+          </p:nvPr>
+        </p:nvSpPr>
+        <p:spPr>
+          <a:xfrm>
+            <a:off x="838200" y="175491"/>
+            <a:ext cx="10515600" cy="6001472"/>
+          </a:xfrm>
+        </p:spPr>
+        <p:txBody>
+          <a:bodyPr/>
+          <a:lstStyle/>
+          <a:p>
+            <a:r>
+              <a:rPr lang="en-US" altLang="zh-CN" dirty="0" smtClean="0"/>
+              <a:t>Python2.7</a:t>
+            </a:r>
+            <a:r>
+              <a:rPr lang="zh-CN" altLang="en-US" dirty="0" smtClean="0"/>
+              <a:t>、</a:t>
+            </a:r>
+            <a:r>
+              <a:rPr lang="en-US" altLang="zh-CN" dirty="0" smtClean="0"/>
+              <a:t>3.4</a:t>
+            </a:r>
+            <a:r>
+              <a:rPr lang="zh-CN" altLang="en-US" dirty="0" smtClean="0"/>
+              <a:t>的</a:t>
+            </a:r>
+            <a:r>
+              <a:rPr lang="en-US" altLang="zh-CN" dirty="0" smtClean="0"/>
+              <a:t>32</a:t>
+            </a:r>
+            <a:r>
+              <a:rPr lang="zh-CN" altLang="en-US" dirty="0" smtClean="0"/>
+              <a:t>位安装</a:t>
+            </a:r>
+            <a:r>
+              <a:rPr lang="en-US" altLang="zh-CN" dirty="0" smtClean="0"/>
+              <a:t>PyQt4</a:t>
+            </a:r>
+          </a:p>
+          <a:p>
+            <a:pPr marL="0" indent="0">
+              <a:buNone/>
+            </a:pPr>
+            <a:r>
+              <a:rPr lang="zh-CN" altLang="en-US" dirty="0" smtClean="0"/>
+              <a:t>网址：</a:t>
+            </a:r>
+            <a:r>
+              <a:rPr lang="en-US" altLang="zh-CN" dirty="0">
+                <a:hlinkClick r:id="rId2"/>
+              </a:rPr>
+              <a:t>https://www.lfd.uci.edu/~gohlke/pythonlibs</a:t>
+            </a:r>
+            <a:r>
+              <a:rPr lang="en-US" altLang="zh-CN" dirty="0" smtClean="0">
+                <a:hlinkClick r:id="rId2"/>
+              </a:rPr>
+              <a:t>/</a:t>
+            </a:r>
+            <a:endParaRPr lang="en-US" altLang="zh-CN" dirty="0" smtClean="0"/>
+          </a:p>
+          <a:p>
+            <a:r>
+              <a:rPr lang="zh-CN" altLang="en-US" dirty="0" smtClean="0"/>
+              <a:t>安装</a:t>
+            </a:r>
+            <a:r>
+              <a:rPr lang="en-US" altLang="zh-CN" dirty="0" smtClean="0"/>
+              <a:t>zmqdev3</a:t>
+            </a:r>
+          </a:p>
+          <a:p>
+            <a:r>
+              <a:rPr lang="en-US" altLang="zh-CN" dirty="0" err="1" smtClean="0"/>
+              <a:t>ubuntu</a:t>
+            </a:r>
+            <a:r>
+              <a:rPr lang="zh-CN" altLang="en-US" dirty="0" smtClean="0"/>
+              <a:t>安装</a:t>
+            </a:r>
+            <a:r>
+              <a:rPr lang="en-US" altLang="zh-CN" dirty="0" smtClean="0"/>
+              <a:t>32</a:t>
+            </a:r>
+            <a:r>
+              <a:rPr lang="zh-CN" altLang="en-US" dirty="0" smtClean="0"/>
+              <a:t>位</a:t>
+            </a:r>
+            <a:r>
+              <a:rPr lang="en-US" altLang="zh-CN" dirty="0" err="1" smtClean="0"/>
+              <a:t>libusb</a:t>
+            </a:r>
+            <a:endParaRPr lang="en-US" altLang="zh-CN" dirty="0" smtClean="0"/>
+          </a:p>
+          <a:p>
+            <a:pPr marL="514350" indent="-514350">
+              <a:buFont typeface="+mj-lt"/>
+              <a:buAutoNum type="arabicPeriod"/>
+            </a:pPr>
+            <a:r>
+              <a:rPr lang="en-US" altLang="zh-CN" dirty="0" err="1" smtClean="0"/>
+              <a:t>Dpkg</a:t>
+            </a:r>
+            <a:r>
+              <a:rPr lang="en-US" altLang="zh-CN" dirty="0" smtClean="0"/>
+              <a:t> –print-foreign-architectures</a:t>
+            </a:r>
+          </a:p>
+          <a:p>
+            <a:pPr marL="514350" indent="-514350">
+              <a:buFont typeface="+mj-lt"/>
+              <a:buAutoNum type="arabicPeriod"/>
+            </a:pPr>
+            <a:r>
+              <a:rPr lang="en-US" altLang="zh-CN" dirty="0" err="1" smtClean="0"/>
+              <a:t>Dpkg</a:t>
+            </a:r>
+            <a:r>
+              <a:rPr lang="en-US" altLang="zh-CN" dirty="0" smtClean="0"/>
+              <a:t> --add-architecture i386</a:t>
+            </a:r>
+          </a:p>
+          <a:p>
+            <a:pPr marL="514350" indent="-514350">
+              <a:buFont typeface="+mj-lt"/>
+              <a:buAutoNum type="arabicPeriod"/>
+            </a:pPr>
+            <a:r>
+              <a:rPr lang="en-US" altLang="zh-CN" dirty="0" err="1" smtClean="0"/>
+              <a:t>Sudo</a:t>
+            </a:r>
+            <a:r>
+              <a:rPr lang="en-US" altLang="zh-CN" dirty="0" smtClean="0"/>
+              <a:t> apt-get install libusb-1.0:i386(</a:t>
+            </a:r>
+            <a:r>
+              <a:rPr lang="zh-CN" altLang="en-US" dirty="0" smtClean="0"/>
+              <a:t>在</a:t>
+            </a:r>
+            <a:r>
+              <a:rPr lang="en-US" altLang="zh-CN" dirty="0" err="1" smtClean="0"/>
+              <a:t>linux</a:t>
+            </a:r>
+            <a:r>
+              <a:rPr lang="zh-CN" altLang="en-US" dirty="0" smtClean="0"/>
+              <a:t>下安装</a:t>
+            </a:r>
+            <a:r>
+              <a:rPr lang="en-US" altLang="zh-CN" dirty="0" smtClean="0"/>
+              <a:t>32libusb</a:t>
+            </a:r>
+            <a:r>
+              <a:rPr lang="zh-CN" altLang="en-US" dirty="0" smtClean="0"/>
+              <a:t>库</a:t>
+            </a:r>
+            <a:r>
+              <a:rPr lang="en-US" altLang="zh-CN" dirty="0" smtClean="0"/>
+              <a:t>)</a:t>
+            </a:r>
+            <a:endParaRPr lang="zh-CN" altLang="en-US" dirty="0"/>
+          </a:p>
+        </p:txBody>
+      </p:sp>
+    </p:spTree>
+    <p:extLst>
+      <p:ext uri="{BB962C8B-B14F-4D97-AF65-F5344CB8AC3E}">
+        <p14:creationId xmlns:p14="http://schemas.microsoft.com/office/powerpoint/2010/main" val="2128445532"/>
       </p:ext>
     </p:extLst>
   </p:cSld>

--- a/SDK使用步骤.pptx
+++ b/SDK使用步骤.pptx
@@ -4861,6 +4861,11 @@
               <a:rPr lang="en-US" altLang="zh-CN" dirty="0" smtClean="0"/>
               <a:t>zmqdev3</a:t>
             </a:r>
+            <a:r>
+              <a:rPr lang="zh-CN" altLang="en-US" smtClean="0"/>
+              <a:t>的库</a:t>
+            </a:r>
+            <a:endParaRPr lang="en-US" altLang="zh-CN" dirty="0" smtClean="0"/>
           </a:p>
           <a:p>
             <a:r>

--- a/SDK使用步骤.pptx
+++ b/SDK使用步骤.pptx
@@ -14,6 +14,7 @@
     <p:sldId id="262" r:id="rId8"/>
     <p:sldId id="263" r:id="rId9"/>
     <p:sldId id="264" r:id="rId10"/>
+    <p:sldId id="265" r:id="rId11"/>
   </p:sldIdLst>
   <p:sldSz cx="12192000" cy="6858000"/>
   <p:notesSz cx="6858000" cy="9144000"/>
@@ -271,7 +272,7 @@
           <a:p>
             <a:fld id="{7D5547DE-D07D-4BFA-B380-0E9CFF12ABD3}" type="datetimeFigureOut">
               <a:rPr lang="zh-CN" altLang="en-US" smtClean="0"/>
-              <a:t>2018/1/2 Tuesday</a:t>
+              <a:t>2018/1/4 Thursday</a:t>
             </a:fld>
             <a:endParaRPr lang="zh-CN" altLang="en-US"/>
           </a:p>
@@ -469,7 +470,7 @@
           <a:p>
             <a:fld id="{7D5547DE-D07D-4BFA-B380-0E9CFF12ABD3}" type="datetimeFigureOut">
               <a:rPr lang="zh-CN" altLang="en-US" smtClean="0"/>
-              <a:t>2018/1/2 Tuesday</a:t>
+              <a:t>2018/1/4 Thursday</a:t>
             </a:fld>
             <a:endParaRPr lang="zh-CN" altLang="en-US"/>
           </a:p>
@@ -677,7 +678,7 @@
           <a:p>
             <a:fld id="{7D5547DE-D07D-4BFA-B380-0E9CFF12ABD3}" type="datetimeFigureOut">
               <a:rPr lang="zh-CN" altLang="en-US" smtClean="0"/>
-              <a:t>2018/1/2 Tuesday</a:t>
+              <a:t>2018/1/4 Thursday</a:t>
             </a:fld>
             <a:endParaRPr lang="zh-CN" altLang="en-US"/>
           </a:p>
@@ -875,7 +876,7 @@
           <a:p>
             <a:fld id="{7D5547DE-D07D-4BFA-B380-0E9CFF12ABD3}" type="datetimeFigureOut">
               <a:rPr lang="zh-CN" altLang="en-US" smtClean="0"/>
-              <a:t>2018/1/2 Tuesday</a:t>
+              <a:t>2018/1/4 Thursday</a:t>
             </a:fld>
             <a:endParaRPr lang="zh-CN" altLang="en-US"/>
           </a:p>
@@ -1150,7 +1151,7 @@
           <a:p>
             <a:fld id="{7D5547DE-D07D-4BFA-B380-0E9CFF12ABD3}" type="datetimeFigureOut">
               <a:rPr lang="zh-CN" altLang="en-US" smtClean="0"/>
-              <a:t>2018/1/2 Tuesday</a:t>
+              <a:t>2018/1/4 Thursday</a:t>
             </a:fld>
             <a:endParaRPr lang="zh-CN" altLang="en-US"/>
           </a:p>
@@ -1415,7 +1416,7 @@
           <a:p>
             <a:fld id="{7D5547DE-D07D-4BFA-B380-0E9CFF12ABD3}" type="datetimeFigureOut">
               <a:rPr lang="zh-CN" altLang="en-US" smtClean="0"/>
-              <a:t>2018/1/2 Tuesday</a:t>
+              <a:t>2018/1/4 Thursday</a:t>
             </a:fld>
             <a:endParaRPr lang="zh-CN" altLang="en-US"/>
           </a:p>
@@ -1827,7 +1828,7 @@
           <a:p>
             <a:fld id="{7D5547DE-D07D-4BFA-B380-0E9CFF12ABD3}" type="datetimeFigureOut">
               <a:rPr lang="zh-CN" altLang="en-US" smtClean="0"/>
-              <a:t>2018/1/2 Tuesday</a:t>
+              <a:t>2018/1/4 Thursday</a:t>
             </a:fld>
             <a:endParaRPr lang="zh-CN" altLang="en-US"/>
           </a:p>
@@ -1968,7 +1969,7 @@
           <a:p>
             <a:fld id="{7D5547DE-D07D-4BFA-B380-0E9CFF12ABD3}" type="datetimeFigureOut">
               <a:rPr lang="zh-CN" altLang="en-US" smtClean="0"/>
-              <a:t>2018/1/2 Tuesday</a:t>
+              <a:t>2018/1/4 Thursday</a:t>
             </a:fld>
             <a:endParaRPr lang="zh-CN" altLang="en-US"/>
           </a:p>
@@ -2081,7 +2082,7 @@
           <a:p>
             <a:fld id="{7D5547DE-D07D-4BFA-B380-0E9CFF12ABD3}" type="datetimeFigureOut">
               <a:rPr lang="zh-CN" altLang="en-US" smtClean="0"/>
-              <a:t>2018/1/2 Tuesday</a:t>
+              <a:t>2018/1/4 Thursday</a:t>
             </a:fld>
             <a:endParaRPr lang="zh-CN" altLang="en-US"/>
           </a:p>
@@ -2392,7 +2393,7 @@
           <a:p>
             <a:fld id="{7D5547DE-D07D-4BFA-B380-0E9CFF12ABD3}" type="datetimeFigureOut">
               <a:rPr lang="zh-CN" altLang="en-US" smtClean="0"/>
-              <a:t>2018/1/2 Tuesday</a:t>
+              <a:t>2018/1/4 Thursday</a:t>
             </a:fld>
             <a:endParaRPr lang="zh-CN" altLang="en-US"/>
           </a:p>
@@ -2680,7 +2681,7 @@
           <a:p>
             <a:fld id="{7D5547DE-D07D-4BFA-B380-0E9CFF12ABD3}" type="datetimeFigureOut">
               <a:rPr lang="zh-CN" altLang="en-US" smtClean="0"/>
-              <a:t>2018/1/2 Tuesday</a:t>
+              <a:t>2018/1/4 Thursday</a:t>
             </a:fld>
             <a:endParaRPr lang="zh-CN" altLang="en-US"/>
           </a:p>
@@ -2921,7 +2922,7 @@
           <a:p>
             <a:fld id="{7D5547DE-D07D-4BFA-B380-0E9CFF12ABD3}" type="datetimeFigureOut">
               <a:rPr lang="zh-CN" altLang="en-US" smtClean="0"/>
-              <a:t>2018/1/2 Tuesday</a:t>
+              <a:t>2018/1/4 Thursday</a:t>
             </a:fld>
             <a:endParaRPr lang="zh-CN" altLang="en-US"/>
           </a:p>
@@ -3462,6 +3463,144 @@
 </p:sld>
 </file>
 
+<file path=ppt/slides/slide10.xml><?xml version="1.0" encoding="utf-8"?>
+<p:sld xmlns:a="http://schemas.openxmlformats.org/drawingml/2006/main" xmlns:r="http://schemas.openxmlformats.org/officeDocument/2006/relationships" xmlns:p="http://schemas.openxmlformats.org/presentationml/2006/main">
+  <p:cSld>
+    <p:spTree>
+      <p:nvGrpSpPr>
+        <p:cNvPr id="1" name=""/>
+        <p:cNvGrpSpPr/>
+        <p:nvPr/>
+      </p:nvGrpSpPr>
+      <p:grpSpPr>
+        <a:xfrm>
+          <a:off x="0" y="0"/>
+          <a:ext cx="0" cy="0"/>
+          <a:chOff x="0" y="0"/>
+          <a:chExt cx="0" cy="0"/>
+        </a:xfrm>
+      </p:grpSpPr>
+      <p:sp>
+        <p:nvSpPr>
+          <p:cNvPr id="3" name="内容占位符 2"/>
+          <p:cNvSpPr>
+            <a:spLocks noGrp="1"/>
+          </p:cNvSpPr>
+          <p:nvPr>
+            <p:ph idx="1"/>
+          </p:nvPr>
+        </p:nvSpPr>
+        <p:spPr>
+          <a:xfrm>
+            <a:off x="838200" y="368710"/>
+            <a:ext cx="10515600" cy="5808253"/>
+          </a:xfrm>
+        </p:spPr>
+        <p:txBody>
+          <a:bodyPr/>
+          <a:lstStyle/>
+          <a:p>
+            <a:r>
+              <a:rPr lang="en-US" altLang="zh-CN" dirty="0" smtClean="0"/>
+              <a:t>Ubuntu</a:t>
+            </a:r>
+            <a:r>
+              <a:rPr lang="zh-CN" altLang="en-US" dirty="0" smtClean="0"/>
+              <a:t>下 </a:t>
+            </a:r>
+            <a:r>
+              <a:rPr lang="en-US" altLang="zh-CN" dirty="0" smtClean="0"/>
+              <a:t>make install-</a:t>
+            </a:r>
+            <a:r>
+              <a:rPr lang="en-US" altLang="zh-CN" dirty="0" err="1" smtClean="0"/>
+              <a:t>linux</a:t>
+            </a:r>
+            <a:r>
+              <a:rPr lang="zh-CN" altLang="en-US" dirty="0" smtClean="0"/>
+              <a:t>时，出现找不到</a:t>
+            </a:r>
+            <a:r>
+              <a:rPr lang="en-US" altLang="zh-CN" dirty="0" err="1" smtClean="0"/>
+              <a:t>cdefs.h</a:t>
+            </a:r>
+            <a:endParaRPr lang="en-US" altLang="zh-CN" dirty="0" smtClean="0"/>
+          </a:p>
+          <a:p>
+            <a:pPr marL="0" indent="0">
+              <a:buNone/>
+            </a:pPr>
+            <a:r>
+              <a:rPr lang="en-US" altLang="zh-CN" dirty="0" err="1"/>
+              <a:t>sudo</a:t>
+            </a:r>
+            <a:r>
+              <a:rPr lang="en-US" altLang="zh-CN" dirty="0"/>
+              <a:t> apt-get install  build-essential libc6-dev </a:t>
+            </a:r>
+            <a:r>
+              <a:rPr lang="en-US" altLang="zh-CN" dirty="0" smtClean="0"/>
+              <a:t>libc6-dev-i386</a:t>
+            </a:r>
+          </a:p>
+          <a:p>
+            <a:pPr marL="0" indent="0">
+              <a:buNone/>
+            </a:pPr>
+            <a:r>
+              <a:rPr lang="en-US" altLang="zh-CN" dirty="0">
+                <a:hlinkClick r:id="rId2"/>
+              </a:rPr>
+              <a:t>http://</a:t>
+            </a:r>
+            <a:r>
+              <a:rPr lang="en-US" altLang="zh-CN" dirty="0" smtClean="0">
+                <a:hlinkClick r:id="rId2"/>
+              </a:rPr>
+              <a:t>blog.csdn.net/sfdazsdf/article/details/48625545</a:t>
+            </a:r>
+            <a:endParaRPr lang="en-US" altLang="zh-CN" dirty="0" smtClean="0"/>
+          </a:p>
+          <a:p>
+            <a:r>
+              <a:rPr lang="zh-CN" altLang="en-US" dirty="0" smtClean="0"/>
+              <a:t>系统级修改</a:t>
+            </a:r>
+            <a:r>
+              <a:rPr lang="en-US" altLang="zh-CN" dirty="0" smtClean="0"/>
+              <a:t>python</a:t>
+            </a:r>
+            <a:r>
+              <a:rPr lang="zh-CN" altLang="en-US" dirty="0" smtClean="0"/>
+              <a:t>版本</a:t>
+            </a:r>
+            <a:endParaRPr lang="en-US" altLang="zh-CN" dirty="0" smtClean="0"/>
+          </a:p>
+          <a:p>
+            <a:pPr marL="0" indent="0">
+              <a:buNone/>
+            </a:pPr>
+            <a:r>
+              <a:rPr lang="en-US" altLang="zh-CN" dirty="0"/>
+              <a:t>http://blog.csdn.net/u011534057/article/details/51615193</a:t>
+            </a:r>
+            <a:endParaRPr lang="zh-CN" altLang="en-US" dirty="0"/>
+          </a:p>
+        </p:txBody>
+      </p:sp>
+    </p:spTree>
+    <p:extLst>
+      <p:ext uri="{BB962C8B-B14F-4D97-AF65-F5344CB8AC3E}">
+        <p14:creationId xmlns:p14="http://schemas.microsoft.com/office/powerpoint/2010/main" val="3898250612"/>
+      </p:ext>
+    </p:extLst>
+  </p:cSld>
+  <p:clrMapOvr>
+    <a:masterClrMapping/>
+  </p:clrMapOvr>
+</p:sld>
+</file>
+
 <file path=ppt/slides/slide2.xml><?xml version="1.0" encoding="utf-8"?>
 <p:sld xmlns:a="http://schemas.openxmlformats.org/drawingml/2006/main" xmlns:r="http://schemas.openxmlformats.org/officeDocument/2006/relationships" xmlns:p="http://schemas.openxmlformats.org/presentationml/2006/main">
   <p:cSld>
@@ -4862,7 +5001,7 @@
               <a:t>zmqdev3</a:t>
             </a:r>
             <a:r>
-              <a:rPr lang="zh-CN" altLang="en-US" smtClean="0"/>
+              <a:rPr lang="zh-CN" altLang="en-US" dirty="0" smtClean="0"/>
               <a:t>的库</a:t>
             </a:r>
             <a:endParaRPr lang="en-US" altLang="zh-CN" dirty="0" smtClean="0"/>

--- a/SDK使用步骤.pptx
+++ b/SDK使用步骤.pptx
@@ -272,7 +272,7 @@
           <a:p>
             <a:fld id="{7D5547DE-D07D-4BFA-B380-0E9CFF12ABD3}" type="datetimeFigureOut">
               <a:rPr lang="zh-CN" altLang="en-US" smtClean="0"/>
-              <a:t>2018/1/4 Thursday</a:t>
+              <a:t>2018/1/24</a:t>
             </a:fld>
             <a:endParaRPr lang="zh-CN" altLang="en-US"/>
           </a:p>
@@ -470,7 +470,7 @@
           <a:p>
             <a:fld id="{7D5547DE-D07D-4BFA-B380-0E9CFF12ABD3}" type="datetimeFigureOut">
               <a:rPr lang="zh-CN" altLang="en-US" smtClean="0"/>
-              <a:t>2018/1/4 Thursday</a:t>
+              <a:t>2018/1/24</a:t>
             </a:fld>
             <a:endParaRPr lang="zh-CN" altLang="en-US"/>
           </a:p>
@@ -678,7 +678,7 @@
           <a:p>
             <a:fld id="{7D5547DE-D07D-4BFA-B380-0E9CFF12ABD3}" type="datetimeFigureOut">
               <a:rPr lang="zh-CN" altLang="en-US" smtClean="0"/>
-              <a:t>2018/1/4 Thursday</a:t>
+              <a:t>2018/1/24</a:t>
             </a:fld>
             <a:endParaRPr lang="zh-CN" altLang="en-US"/>
           </a:p>
@@ -876,7 +876,7 @@
           <a:p>
             <a:fld id="{7D5547DE-D07D-4BFA-B380-0E9CFF12ABD3}" type="datetimeFigureOut">
               <a:rPr lang="zh-CN" altLang="en-US" smtClean="0"/>
-              <a:t>2018/1/4 Thursday</a:t>
+              <a:t>2018/1/24</a:t>
             </a:fld>
             <a:endParaRPr lang="zh-CN" altLang="en-US"/>
           </a:p>
@@ -1151,7 +1151,7 @@
           <a:p>
             <a:fld id="{7D5547DE-D07D-4BFA-B380-0E9CFF12ABD3}" type="datetimeFigureOut">
               <a:rPr lang="zh-CN" altLang="en-US" smtClean="0"/>
-              <a:t>2018/1/4 Thursday</a:t>
+              <a:t>2018/1/24</a:t>
             </a:fld>
             <a:endParaRPr lang="zh-CN" altLang="en-US"/>
           </a:p>
@@ -1416,7 +1416,7 @@
           <a:p>
             <a:fld id="{7D5547DE-D07D-4BFA-B380-0E9CFF12ABD3}" type="datetimeFigureOut">
               <a:rPr lang="zh-CN" altLang="en-US" smtClean="0"/>
-              <a:t>2018/1/4 Thursday</a:t>
+              <a:t>2018/1/24</a:t>
             </a:fld>
             <a:endParaRPr lang="zh-CN" altLang="en-US"/>
           </a:p>
@@ -1828,7 +1828,7 @@
           <a:p>
             <a:fld id="{7D5547DE-D07D-4BFA-B380-0E9CFF12ABD3}" type="datetimeFigureOut">
               <a:rPr lang="zh-CN" altLang="en-US" smtClean="0"/>
-              <a:t>2018/1/4 Thursday</a:t>
+              <a:t>2018/1/24</a:t>
             </a:fld>
             <a:endParaRPr lang="zh-CN" altLang="en-US"/>
           </a:p>
@@ -1969,7 +1969,7 @@
           <a:p>
             <a:fld id="{7D5547DE-D07D-4BFA-B380-0E9CFF12ABD3}" type="datetimeFigureOut">
               <a:rPr lang="zh-CN" altLang="en-US" smtClean="0"/>
-              <a:t>2018/1/4 Thursday</a:t>
+              <a:t>2018/1/24</a:t>
             </a:fld>
             <a:endParaRPr lang="zh-CN" altLang="en-US"/>
           </a:p>
@@ -2082,7 +2082,7 @@
           <a:p>
             <a:fld id="{7D5547DE-D07D-4BFA-B380-0E9CFF12ABD3}" type="datetimeFigureOut">
               <a:rPr lang="zh-CN" altLang="en-US" smtClean="0"/>
-              <a:t>2018/1/4 Thursday</a:t>
+              <a:t>2018/1/24</a:t>
             </a:fld>
             <a:endParaRPr lang="zh-CN" altLang="en-US"/>
           </a:p>
@@ -2393,7 +2393,7 @@
           <a:p>
             <a:fld id="{7D5547DE-D07D-4BFA-B380-0E9CFF12ABD3}" type="datetimeFigureOut">
               <a:rPr lang="zh-CN" altLang="en-US" smtClean="0"/>
-              <a:t>2018/1/4 Thursday</a:t>
+              <a:t>2018/1/24</a:t>
             </a:fld>
             <a:endParaRPr lang="zh-CN" altLang="en-US"/>
           </a:p>
@@ -2681,7 +2681,7 @@
           <a:p>
             <a:fld id="{7D5547DE-D07D-4BFA-B380-0E9CFF12ABD3}" type="datetimeFigureOut">
               <a:rPr lang="zh-CN" altLang="en-US" smtClean="0"/>
-              <a:t>2018/1/4 Thursday</a:t>
+              <a:t>2018/1/24</a:t>
             </a:fld>
             <a:endParaRPr lang="zh-CN" altLang="en-US"/>
           </a:p>
@@ -2922,7 +2922,7 @@
           <a:p>
             <a:fld id="{7D5547DE-D07D-4BFA-B380-0E9CFF12ABD3}" type="datetimeFigureOut">
               <a:rPr lang="zh-CN" altLang="en-US" smtClean="0"/>
-              <a:t>2018/1/4 Thursday</a:t>
+              <a:t>2018/1/24</a:t>
             </a:fld>
             <a:endParaRPr lang="zh-CN" altLang="en-US"/>
           </a:p>
@@ -3501,30 +3501,30 @@
           <a:lstStyle/>
           <a:p>
             <a:r>
-              <a:rPr lang="en-US" altLang="zh-CN" dirty="0" smtClean="0"/>
+              <a:rPr lang="en-US" altLang="zh-CN" dirty="0"/>
               <a:t>Ubuntu</a:t>
             </a:r>
             <a:r>
-              <a:rPr lang="zh-CN" altLang="en-US" dirty="0" smtClean="0"/>
+              <a:rPr lang="zh-CN" altLang="en-US" dirty="0"/>
               <a:t>下 </a:t>
             </a:r>
             <a:r>
-              <a:rPr lang="en-US" altLang="zh-CN" dirty="0" smtClean="0"/>
+              <a:rPr lang="en-US" altLang="zh-CN" dirty="0"/>
               <a:t>make install-</a:t>
             </a:r>
             <a:r>
-              <a:rPr lang="en-US" altLang="zh-CN" dirty="0" err="1" smtClean="0"/>
+              <a:rPr lang="en-US" altLang="zh-CN" dirty="0" err="1"/>
               <a:t>linux</a:t>
             </a:r>
             <a:r>
-              <a:rPr lang="zh-CN" altLang="en-US" dirty="0" smtClean="0"/>
+              <a:rPr lang="zh-CN" altLang="en-US" dirty="0"/>
               <a:t>时，出现找不到</a:t>
             </a:r>
             <a:r>
-              <a:rPr lang="en-US" altLang="zh-CN" dirty="0" err="1" smtClean="0"/>
+              <a:rPr lang="en-US" altLang="zh-CN" dirty="0" err="1"/>
               <a:t>cdefs.h</a:t>
             </a:r>
-            <a:endParaRPr lang="en-US" altLang="zh-CN" dirty="0" smtClean="0"/>
+            <a:endParaRPr lang="en-US" altLang="zh-CN" dirty="0"/>
           </a:p>
           <a:p>
             <a:pPr marL="0" indent="0">
@@ -3536,11 +3536,7 @@
             </a:r>
             <a:r>
               <a:rPr lang="en-US" altLang="zh-CN" dirty="0"/>
-              <a:t> apt-get install  build-essential libc6-dev </a:t>
-            </a:r>
-            <a:r>
-              <a:rPr lang="en-US" altLang="zh-CN" dirty="0" smtClean="0"/>
-              <a:t>libc6-dev-i386</a:t>
+              <a:t> apt-get install  build-essential libc6-dev libc6-dev-i386</a:t>
             </a:r>
           </a:p>
           <a:p>
@@ -3551,38 +3547,44 @@
               <a:rPr lang="en-US" altLang="zh-CN" dirty="0">
                 <a:hlinkClick r:id="rId2"/>
               </a:rPr>
-              <a:t>http://</a:t>
-            </a:r>
-            <a:r>
-              <a:rPr lang="en-US" altLang="zh-CN" dirty="0" smtClean="0">
-                <a:hlinkClick r:id="rId2"/>
+              <a:t>http://blog.csdn.net/sfdazsdf/article/details/48625545</a:t>
+            </a:r>
+            <a:endParaRPr lang="en-US" altLang="zh-CN" dirty="0"/>
+          </a:p>
+          <a:p>
+            <a:r>
+              <a:rPr lang="zh-CN" altLang="en-US" dirty="0"/>
+              <a:t>系统级修改</a:t>
+            </a:r>
+            <a:r>
+              <a:rPr lang="en-US" altLang="zh-CN" dirty="0"/>
+              <a:t>python</a:t>
+            </a:r>
+            <a:r>
+              <a:rPr lang="zh-CN" altLang="en-US" dirty="0"/>
+              <a:t>版本</a:t>
+            </a:r>
+            <a:endParaRPr lang="en-US" altLang="zh-CN" dirty="0"/>
+          </a:p>
+          <a:p>
+            <a:pPr marL="0" indent="0">
+              <a:buNone/>
+            </a:pPr>
+            <a:r>
+              <a:rPr lang="en-US" altLang="zh-CN" dirty="0">
+                <a:hlinkClick r:id="rId3"/>
               </a:rPr>
-              <a:t>blog.csdn.net/sfdazsdf/article/details/48625545</a:t>
-            </a:r>
-            <a:endParaRPr lang="en-US" altLang="zh-CN" dirty="0" smtClean="0"/>
-          </a:p>
-          <a:p>
-            <a:r>
-              <a:rPr lang="zh-CN" altLang="en-US" dirty="0" smtClean="0"/>
-              <a:t>系统级修改</a:t>
-            </a:r>
-            <a:r>
-              <a:rPr lang="en-US" altLang="zh-CN" dirty="0" smtClean="0"/>
-              <a:t>python</a:t>
-            </a:r>
-            <a:r>
-              <a:rPr lang="zh-CN" altLang="en-US" dirty="0" smtClean="0"/>
-              <a:t>版本</a:t>
-            </a:r>
-            <a:endParaRPr lang="en-US" altLang="zh-CN" dirty="0" smtClean="0"/>
+              <a:t>http://blog.csdn.net/u011534057/article/details/51615193</a:t>
+            </a:r>
+            <a:endParaRPr lang="en-US" altLang="zh-CN" dirty="0"/>
           </a:p>
           <a:p>
             <a:pPr marL="0" indent="0">
               <a:buNone/>
             </a:pPr>
             <a:r>
-              <a:rPr lang="en-US" altLang="zh-CN" dirty="0"/>
-              <a:t>http://blog.csdn.net/u011534057/article/details/51615193</a:t>
+              <a:rPr lang="en-US" altLang="zh-CN"/>
+              <a:t>Git change</a:t>
             </a:r>
             <a:endParaRPr lang="zh-CN" altLang="en-US" dirty="0"/>
           </a:p>
@@ -4810,10 +4812,6 @@
               <a:rPr lang="en-US" altLang="zh-CN" b="1" dirty="0" err="1"/>
               <a:t>cdrom</a:t>
             </a:r>
-            <a:r>
-              <a:rPr lang="en-US" altLang="zh-CN" b="1" dirty="0"/>
-              <a:t/>
-            </a:r>
             <a:br>
               <a:rPr lang="en-US" altLang="zh-CN" b="1" dirty="0"/>
             </a:br>
@@ -4840,10 +4838,6 @@
             <a:r>
               <a:rPr lang="en-US" altLang="zh-CN" b="1" dirty="0" err="1"/>
               <a:t>cdrom</a:t>
-            </a:r>
-            <a:r>
-              <a:rPr lang="en-US" altLang="zh-CN" b="1" dirty="0"/>
-              <a:t/>
             </a:r>
             <a:br>
               <a:rPr lang="en-US" altLang="zh-CN" b="1" dirty="0"/>
@@ -4941,31 +4935,31 @@
           <a:lstStyle/>
           <a:p>
             <a:r>
-              <a:rPr lang="en-US" altLang="zh-CN" dirty="0" smtClean="0"/>
+              <a:rPr lang="en-US" altLang="zh-CN" dirty="0"/>
               <a:t>Python2.7</a:t>
             </a:r>
             <a:r>
-              <a:rPr lang="zh-CN" altLang="en-US" dirty="0" smtClean="0"/>
+              <a:rPr lang="zh-CN" altLang="en-US" dirty="0"/>
               <a:t>、</a:t>
             </a:r>
             <a:r>
-              <a:rPr lang="en-US" altLang="zh-CN" dirty="0" smtClean="0"/>
+              <a:rPr lang="en-US" altLang="zh-CN" dirty="0"/>
               <a:t>3.4</a:t>
             </a:r>
             <a:r>
-              <a:rPr lang="zh-CN" altLang="en-US" dirty="0" smtClean="0"/>
+              <a:rPr lang="zh-CN" altLang="en-US" dirty="0"/>
               <a:t>的</a:t>
             </a:r>
             <a:r>
-              <a:rPr lang="en-US" altLang="zh-CN" dirty="0" smtClean="0"/>
+              <a:rPr lang="en-US" altLang="zh-CN" dirty="0"/>
               <a:t>32</a:t>
             </a:r>
             <a:r>
-              <a:rPr lang="zh-CN" altLang="en-US" dirty="0" smtClean="0"/>
+              <a:rPr lang="zh-CN" altLang="en-US" dirty="0"/>
               <a:t>位安装</a:t>
             </a:r>
             <a:r>
-              <a:rPr lang="en-US" altLang="zh-CN" dirty="0" smtClean="0"/>
+              <a:rPr lang="en-US" altLang="zh-CN" dirty="0"/>
               <a:t>PyQt4</a:t>
             </a:r>
           </a:p>
@@ -4974,60 +4968,54 @@
               <a:buNone/>
             </a:pPr>
             <a:r>
-              <a:rPr lang="zh-CN" altLang="en-US" dirty="0" smtClean="0"/>
+              <a:rPr lang="zh-CN" altLang="en-US" dirty="0"/>
               <a:t>网址：</a:t>
             </a:r>
             <a:r>
               <a:rPr lang="en-US" altLang="zh-CN" dirty="0">
                 <a:hlinkClick r:id="rId2"/>
               </a:rPr>
-              <a:t>https://www.lfd.uci.edu/~gohlke/pythonlibs</a:t>
-            </a:r>
-            <a:r>
-              <a:rPr lang="en-US" altLang="zh-CN" dirty="0" smtClean="0">
-                <a:hlinkClick r:id="rId2"/>
-              </a:rPr>
-              <a:t>/</a:t>
-            </a:r>
-            <a:endParaRPr lang="en-US" altLang="zh-CN" dirty="0" smtClean="0"/>
-          </a:p>
-          <a:p>
-            <a:r>
-              <a:rPr lang="zh-CN" altLang="en-US" dirty="0" smtClean="0"/>
+              <a:t>https://www.lfd.uci.edu/~gohlke/pythonlibs/</a:t>
+            </a:r>
+            <a:endParaRPr lang="en-US" altLang="zh-CN" dirty="0"/>
+          </a:p>
+          <a:p>
+            <a:r>
+              <a:rPr lang="zh-CN" altLang="en-US" dirty="0"/>
               <a:t>安装</a:t>
             </a:r>
             <a:r>
-              <a:rPr lang="en-US" altLang="zh-CN" dirty="0" smtClean="0"/>
+              <a:rPr lang="en-US" altLang="zh-CN" dirty="0"/>
               <a:t>zmqdev3</a:t>
             </a:r>
             <a:r>
-              <a:rPr lang="zh-CN" altLang="en-US" dirty="0" smtClean="0"/>
+              <a:rPr lang="zh-CN" altLang="en-US" dirty="0"/>
               <a:t>的库</a:t>
             </a:r>
-            <a:endParaRPr lang="en-US" altLang="zh-CN" dirty="0" smtClean="0"/>
-          </a:p>
-          <a:p>
-            <a:r>
-              <a:rPr lang="en-US" altLang="zh-CN" dirty="0" err="1" smtClean="0"/>
+            <a:endParaRPr lang="en-US" altLang="zh-CN" dirty="0"/>
+          </a:p>
+          <a:p>
+            <a:r>
+              <a:rPr lang="en-US" altLang="zh-CN" dirty="0" err="1"/>
               <a:t>ubuntu</a:t>
             </a:r>
             <a:r>
-              <a:rPr lang="zh-CN" altLang="en-US" dirty="0" smtClean="0"/>
+              <a:rPr lang="zh-CN" altLang="en-US" dirty="0"/>
               <a:t>安装</a:t>
             </a:r>
             <a:r>
-              <a:rPr lang="en-US" altLang="zh-CN" dirty="0" smtClean="0"/>
+              <a:rPr lang="en-US" altLang="zh-CN" dirty="0"/>
               <a:t>32</a:t>
             </a:r>
             <a:r>
-              <a:rPr lang="zh-CN" altLang="en-US" dirty="0" smtClean="0"/>
+              <a:rPr lang="zh-CN" altLang="en-US" dirty="0"/>
               <a:t>位</a:t>
             </a:r>
             <a:r>
-              <a:rPr lang="en-US" altLang="zh-CN" dirty="0" err="1" smtClean="0"/>
+              <a:rPr lang="en-US" altLang="zh-CN" dirty="0" err="1"/>
               <a:t>libusb</a:t>
             </a:r>
-            <a:endParaRPr lang="en-US" altLang="zh-CN" dirty="0" smtClean="0"/>
+            <a:endParaRPr lang="en-US" altLang="zh-CN" dirty="0"/>
           </a:p>
           <a:p>
             <a:pPr marL="514350" indent="-514350">
@@ -5035,11 +5023,11 @@
               <a:buAutoNum type="arabicPeriod"/>
             </a:pPr>
             <a:r>
-              <a:rPr lang="en-US" altLang="zh-CN" dirty="0" err="1" smtClean="0"/>
+              <a:rPr lang="en-US" altLang="zh-CN" dirty="0" err="1"/>
               <a:t>Dpkg</a:t>
             </a:r>
             <a:r>
-              <a:rPr lang="en-US" altLang="zh-CN" dirty="0" smtClean="0"/>
+              <a:rPr lang="en-US" altLang="zh-CN" dirty="0"/>
               <a:t> –print-foreign-architectures</a:t>
             </a:r>
           </a:p>
@@ -5049,11 +5037,11 @@
               <a:buAutoNum type="arabicPeriod"/>
             </a:pPr>
             <a:r>
-              <a:rPr lang="en-US" altLang="zh-CN" dirty="0" err="1" smtClean="0"/>
+              <a:rPr lang="en-US" altLang="zh-CN" dirty="0" err="1"/>
               <a:t>Dpkg</a:t>
             </a:r>
             <a:r>
-              <a:rPr lang="en-US" altLang="zh-CN" dirty="0" smtClean="0"/>
+              <a:rPr lang="en-US" altLang="zh-CN" dirty="0"/>
               <a:t> --add-architecture i386</a:t>
             </a:r>
           </a:p>
@@ -5063,35 +5051,35 @@
               <a:buAutoNum type="arabicPeriod"/>
             </a:pPr>
             <a:r>
-              <a:rPr lang="en-US" altLang="zh-CN" dirty="0" err="1" smtClean="0"/>
+              <a:rPr lang="en-US" altLang="zh-CN" dirty="0" err="1"/>
               <a:t>Sudo</a:t>
             </a:r>
             <a:r>
-              <a:rPr lang="en-US" altLang="zh-CN" dirty="0" smtClean="0"/>
+              <a:rPr lang="en-US" altLang="zh-CN" dirty="0"/>
               <a:t> apt-get install libusb-1.0:i386(</a:t>
             </a:r>
             <a:r>
-              <a:rPr lang="zh-CN" altLang="en-US" dirty="0" smtClean="0"/>
+              <a:rPr lang="zh-CN" altLang="en-US" dirty="0"/>
               <a:t>在</a:t>
             </a:r>
             <a:r>
-              <a:rPr lang="en-US" altLang="zh-CN" dirty="0" err="1" smtClean="0"/>
+              <a:rPr lang="en-US" altLang="zh-CN" dirty="0" err="1"/>
               <a:t>linux</a:t>
             </a:r>
             <a:r>
-              <a:rPr lang="zh-CN" altLang="en-US" dirty="0" smtClean="0"/>
+              <a:rPr lang="zh-CN" altLang="en-US" dirty="0"/>
               <a:t>下安装</a:t>
             </a:r>
             <a:r>
-              <a:rPr lang="en-US" altLang="zh-CN" dirty="0" smtClean="0"/>
+              <a:rPr lang="en-US" altLang="zh-CN" dirty="0"/>
               <a:t>32libusb</a:t>
             </a:r>
             <a:r>
-              <a:rPr lang="zh-CN" altLang="en-US" dirty="0" smtClean="0"/>
+              <a:rPr lang="zh-CN" altLang="en-US" dirty="0"/>
               <a:t>库</a:t>
             </a:r>
             <a:r>
-              <a:rPr lang="en-US" altLang="zh-CN" dirty="0" smtClean="0"/>
+              <a:rPr lang="en-US" altLang="zh-CN" dirty="0"/>
               <a:t>)</a:t>
             </a:r>
             <a:endParaRPr lang="zh-CN" altLang="en-US" dirty="0"/>
